--- a/conf-calls/2020-02-12/community_call_2020-02-12.pptx
+++ b/conf-calls/2020-02-12/community_call_2020-02-12.pptx
@@ -6,13 +6,14 @@
     <p:sldMasterId id="2147483660" r:id="rId2"/>
   </p:sldMasterIdLst>
   <p:notesMasterIdLst>
-    <p:notesMasterId r:id="rId7"/>
+    <p:notesMasterId r:id="rId8"/>
   </p:notesMasterIdLst>
   <p:sldIdLst>
     <p:sldId id="256" r:id="rId3"/>
     <p:sldId id="272" r:id="rId4"/>
-    <p:sldId id="280" r:id="rId5"/>
-    <p:sldId id="268" r:id="rId6"/>
+    <p:sldId id="281" r:id="rId5"/>
+    <p:sldId id="280" r:id="rId6"/>
+    <p:sldId id="268" r:id="rId7"/>
   </p:sldIdLst>
   <p:sldSz cx="12192000" cy="6858000"/>
   <p:notesSz cx="6858000" cy="9144000"/>
@@ -10602,6 +10603,543 @@
           <p:cNvPr id="2" name="Title 1">
             <a:extLst>
               <a:ext uri="{FF2B5EF4-FFF2-40B4-BE49-F238E27FC236}">
+                <a16:creationId xmlns:a16="http://schemas.microsoft.com/office/drawing/2014/main" id="{A560EB41-1D8A-F24D-BB95-C44A919E77B2}"/>
+              </a:ext>
+            </a:extLst>
+          </p:cNvPr>
+          <p:cNvSpPr>
+            <a:spLocks noGrp="1"/>
+          </p:cNvSpPr>
+          <p:nvPr>
+            <p:ph type="title"/>
+          </p:nvPr>
+        </p:nvSpPr>
+        <p:spPr/>
+        <p:txBody>
+          <a:bodyPr/>
+          <a:lstStyle/>
+          <a:p>
+            <a:r>
+              <a:rPr lang="en-US" dirty="0"/>
+              <a:t>Harbor</a:t>
+            </a:r>
+            <a:r>
+              <a:rPr lang="zh-CN" altLang="en-US" dirty="0"/>
+              <a:t> </a:t>
+            </a:r>
+            <a:r>
+              <a:rPr lang="en-US" altLang="zh-CN" dirty="0"/>
+              <a:t>2.0</a:t>
+            </a:r>
+            <a:r>
+              <a:rPr lang="zh-CN" altLang="en-US" dirty="0"/>
+              <a:t> </a:t>
+            </a:r>
+            <a:r>
+              <a:rPr lang="en-US" altLang="zh-CN" dirty="0"/>
+              <a:t>Overall</a:t>
+            </a:r>
+            <a:r>
+              <a:rPr lang="zh-CN" altLang="en-US" dirty="0"/>
+              <a:t> </a:t>
+            </a:r>
+            <a:r>
+              <a:rPr lang="en-US" altLang="zh-CN" dirty="0"/>
+              <a:t>Status</a:t>
+            </a:r>
+            <a:endParaRPr lang="en-US" dirty="0"/>
+          </a:p>
+        </p:txBody>
+      </p:sp>
+      <p:sp>
+        <p:nvSpPr>
+          <p:cNvPr id="3" name="Text Placeholder 2">
+            <a:extLst>
+              <a:ext uri="{FF2B5EF4-FFF2-40B4-BE49-F238E27FC236}">
+                <a16:creationId xmlns:a16="http://schemas.microsoft.com/office/drawing/2014/main" id="{F8F97AFF-C261-C049-B4F3-3C6B9982616D}"/>
+              </a:ext>
+            </a:extLst>
+          </p:cNvPr>
+          <p:cNvSpPr>
+            <a:spLocks noGrp="1"/>
+          </p:cNvSpPr>
+          <p:nvPr>
+            <p:ph type="body" idx="1"/>
+          </p:nvPr>
+        </p:nvSpPr>
+        <p:spPr/>
+        <p:txBody>
+          <a:bodyPr/>
+          <a:lstStyle/>
+          <a:p>
+            <a:pPr marL="6350" indent="0">
+              <a:buNone/>
+            </a:pPr>
+            <a:r>
+              <a:rPr lang="en-US" altLang="zh-CN" sz="2400" dirty="0"/>
+              <a:t>Anchor</a:t>
+            </a:r>
+            <a:r>
+              <a:rPr lang="zh-CN" altLang="en-US" sz="2400" dirty="0"/>
+              <a:t> </a:t>
+            </a:r>
+            <a:r>
+              <a:rPr lang="en-US" altLang="zh-CN" sz="2400" dirty="0"/>
+              <a:t>Feature:</a:t>
+            </a:r>
+            <a:r>
+              <a:rPr lang="zh-CN" altLang="en-US" sz="2400" dirty="0"/>
+              <a:t> </a:t>
+            </a:r>
+            <a:r>
+              <a:rPr lang="en-US" altLang="zh-CN" sz="2400" dirty="0"/>
+              <a:t>Make</a:t>
+            </a:r>
+            <a:r>
+              <a:rPr lang="zh-CN" altLang="en-US" sz="2400" dirty="0"/>
+              <a:t> </a:t>
+            </a:r>
+            <a:r>
+              <a:rPr lang="en-US" altLang="zh-CN" sz="2400" dirty="0"/>
+              <a:t>Harbor</a:t>
+            </a:r>
+            <a:r>
+              <a:rPr lang="zh-CN" altLang="en-US" sz="2400" dirty="0"/>
+              <a:t> </a:t>
+            </a:r>
+            <a:r>
+              <a:rPr lang="en-US" altLang="zh-CN" sz="2400" dirty="0"/>
+              <a:t>Cloud</a:t>
+            </a:r>
+            <a:r>
+              <a:rPr lang="zh-CN" altLang="en-US" sz="2400" dirty="0"/>
+              <a:t> </a:t>
+            </a:r>
+            <a:r>
+              <a:rPr lang="en-US" altLang="zh-CN" sz="2400" dirty="0"/>
+              <a:t>Native</a:t>
+            </a:r>
+            <a:r>
+              <a:rPr lang="zh-CN" altLang="en-US" sz="2400" dirty="0"/>
+              <a:t> </a:t>
+            </a:r>
+            <a:r>
+              <a:rPr lang="en-US" altLang="zh-CN" sz="2400" dirty="0"/>
+              <a:t>Registry(Support</a:t>
+            </a:r>
+            <a:r>
+              <a:rPr lang="zh-CN" altLang="en-US" sz="2400" dirty="0"/>
+              <a:t> </a:t>
+            </a:r>
+            <a:r>
+              <a:rPr lang="en-US" altLang="zh-CN" sz="2400" dirty="0"/>
+              <a:t>OCI</a:t>
+            </a:r>
+            <a:r>
+              <a:rPr lang="zh-CN" altLang="en-US" sz="2400" dirty="0"/>
+              <a:t> </a:t>
+            </a:r>
+            <a:r>
+              <a:rPr lang="en-US" altLang="zh-CN" sz="2400" dirty="0"/>
+              <a:t>Artifact)</a:t>
+            </a:r>
+          </a:p>
+          <a:p>
+            <a:pPr>
+              <a:buFontTx/>
+              <a:buChar char="-"/>
+            </a:pPr>
+            <a:r>
+              <a:rPr lang="en-US" altLang="zh-CN" sz="2400" dirty="0"/>
+              <a:t>Done:</a:t>
+            </a:r>
+            <a:endParaRPr lang="en-US" sz="2400" dirty="0"/>
+          </a:p>
+          <a:p>
+            <a:pPr lvl="1">
+              <a:buFontTx/>
+              <a:buChar char="-"/>
+            </a:pPr>
+            <a:r>
+              <a:rPr lang="en-US" sz="2000" dirty="0"/>
+              <a:t>Artifact</a:t>
+            </a:r>
+            <a:r>
+              <a:rPr lang="zh-CN" altLang="en-US" sz="2000" dirty="0"/>
+              <a:t> </a:t>
+            </a:r>
+            <a:r>
+              <a:rPr lang="en-US" altLang="zh-CN" sz="2000" dirty="0"/>
+              <a:t>Module</a:t>
+            </a:r>
+          </a:p>
+          <a:p>
+            <a:pPr lvl="2">
+              <a:buFontTx/>
+              <a:buChar char="-"/>
+            </a:pPr>
+            <a:r>
+              <a:rPr lang="en-US" altLang="zh-CN" sz="1600" dirty="0"/>
+              <a:t>Pull/push</a:t>
+            </a:r>
+            <a:r>
+              <a:rPr lang="zh-CN" altLang="en-US" sz="1600" dirty="0"/>
+              <a:t> </a:t>
+            </a:r>
+            <a:r>
+              <a:rPr lang="en-US" altLang="zh-CN" sz="1600" dirty="0"/>
+              <a:t>artifacts</a:t>
+            </a:r>
+          </a:p>
+          <a:p>
+            <a:pPr lvl="2">
+              <a:buFontTx/>
+              <a:buChar char="-"/>
+            </a:pPr>
+            <a:r>
+              <a:rPr lang="en-US" altLang="zh-CN" sz="1600" dirty="0"/>
+              <a:t>List/get/delete</a:t>
+            </a:r>
+            <a:r>
+              <a:rPr lang="zh-CN" altLang="en-US" sz="1600" dirty="0"/>
+              <a:t> </a:t>
+            </a:r>
+            <a:r>
+              <a:rPr lang="en-US" altLang="zh-CN" sz="1600" dirty="0"/>
+              <a:t>via</a:t>
+            </a:r>
+            <a:r>
+              <a:rPr lang="zh-CN" altLang="en-US" sz="1600" dirty="0"/>
+              <a:t> </a:t>
+            </a:r>
+            <a:r>
+              <a:rPr lang="en-US" altLang="zh-CN" sz="1600" dirty="0"/>
+              <a:t>API</a:t>
+            </a:r>
+          </a:p>
+          <a:p>
+            <a:pPr lvl="2">
+              <a:buFontTx/>
+              <a:buChar char="-"/>
+            </a:pPr>
+            <a:r>
+              <a:rPr lang="en-US" altLang="zh-CN" sz="1600" dirty="0"/>
+              <a:t>Check</a:t>
+            </a:r>
+            <a:r>
+              <a:rPr lang="zh-CN" altLang="en-US" sz="1600" dirty="0"/>
+              <a:t> </a:t>
+            </a:r>
+            <a:r>
+              <a:rPr lang="en-US" altLang="zh-CN" sz="1600" dirty="0"/>
+              <a:t>metadata</a:t>
+            </a:r>
+            <a:r>
+              <a:rPr lang="zh-CN" altLang="en-US" sz="1600" dirty="0"/>
+              <a:t> </a:t>
+            </a:r>
+            <a:r>
+              <a:rPr lang="en-US" altLang="zh-CN" sz="1600" dirty="0"/>
+              <a:t>for</a:t>
+            </a:r>
+            <a:r>
+              <a:rPr lang="zh-CN" altLang="en-US" sz="1600" dirty="0"/>
+              <a:t> </a:t>
+            </a:r>
+            <a:r>
+              <a:rPr lang="en-US" altLang="zh-CN" sz="1600" dirty="0"/>
+              <a:t>different</a:t>
+            </a:r>
+            <a:r>
+              <a:rPr lang="zh-CN" altLang="en-US" sz="1600" dirty="0"/>
+              <a:t> </a:t>
+            </a:r>
+            <a:r>
+              <a:rPr lang="en-US" altLang="zh-CN" sz="1600" dirty="0"/>
+              <a:t>kinds</a:t>
+            </a:r>
+            <a:r>
+              <a:rPr lang="zh-CN" altLang="en-US" sz="1600" dirty="0"/>
+              <a:t> </a:t>
+            </a:r>
+            <a:r>
+              <a:rPr lang="en-US" altLang="zh-CN" sz="1600" dirty="0"/>
+              <a:t>of</a:t>
+            </a:r>
+            <a:r>
+              <a:rPr lang="zh-CN" altLang="en-US" sz="1600" dirty="0"/>
+              <a:t> </a:t>
+            </a:r>
+            <a:r>
+              <a:rPr lang="en-US" altLang="zh-CN" sz="1600" dirty="0"/>
+              <a:t>artifacts</a:t>
+            </a:r>
+            <a:r>
+              <a:rPr lang="zh-CN" altLang="en-US" sz="1600" dirty="0"/>
+              <a:t> </a:t>
+            </a:r>
+            <a:r>
+              <a:rPr lang="en-US" altLang="zh-CN" sz="1600" dirty="0"/>
+              <a:t>via</a:t>
+            </a:r>
+            <a:r>
+              <a:rPr lang="zh-CN" altLang="en-US" sz="1600" dirty="0"/>
+              <a:t> </a:t>
+            </a:r>
+            <a:r>
+              <a:rPr lang="en-US" altLang="zh-CN" sz="1600" dirty="0"/>
+              <a:t>API</a:t>
+            </a:r>
+          </a:p>
+          <a:p>
+            <a:pPr>
+              <a:buFontTx/>
+              <a:buChar char="-"/>
+            </a:pPr>
+            <a:r>
+              <a:rPr lang="en-US" altLang="zh-CN" sz="2400" dirty="0"/>
+              <a:t>In</a:t>
+            </a:r>
+            <a:r>
+              <a:rPr lang="zh-CN" altLang="en-US" sz="2400" dirty="0"/>
+              <a:t> </a:t>
+            </a:r>
+            <a:r>
+              <a:rPr lang="en-US" altLang="zh-CN" sz="2400" dirty="0"/>
+              <a:t>Progress:</a:t>
+            </a:r>
+            <a:endParaRPr lang="en-US" sz="2400" dirty="0"/>
+          </a:p>
+          <a:p>
+            <a:pPr lvl="1">
+              <a:buFontTx/>
+              <a:buChar char="-"/>
+            </a:pPr>
+            <a:r>
+              <a:rPr lang="en-US" sz="2000" dirty="0"/>
+              <a:t>UI</a:t>
+            </a:r>
+            <a:endParaRPr lang="en-US" altLang="zh-CN" sz="2000" dirty="0"/>
+          </a:p>
+          <a:p>
+            <a:pPr lvl="1">
+              <a:buFontTx/>
+              <a:buChar char="-"/>
+            </a:pPr>
+            <a:r>
+              <a:rPr lang="en-US" altLang="zh-CN" sz="2000" dirty="0"/>
+              <a:t>Make</a:t>
+            </a:r>
+            <a:r>
+              <a:rPr lang="zh-CN" altLang="en-US" sz="2000" dirty="0"/>
+              <a:t> </a:t>
+            </a:r>
+            <a:r>
+              <a:rPr lang="en-US" altLang="zh-CN" sz="2000" dirty="0"/>
+              <a:t>sure</a:t>
+            </a:r>
+            <a:r>
+              <a:rPr lang="zh-CN" altLang="en-US" sz="2000" dirty="0"/>
+              <a:t> </a:t>
+            </a:r>
+            <a:r>
+              <a:rPr lang="en-US" altLang="zh-CN" sz="2000" dirty="0"/>
+              <a:t>other</a:t>
+            </a:r>
+            <a:r>
+              <a:rPr lang="zh-CN" altLang="en-US" sz="2000" dirty="0"/>
+              <a:t> </a:t>
+            </a:r>
+            <a:r>
+              <a:rPr lang="en-US" altLang="zh-CN" sz="2000" dirty="0"/>
+              <a:t>features</a:t>
+            </a:r>
+            <a:r>
+              <a:rPr lang="zh-CN" altLang="en-US" sz="2000" dirty="0"/>
+              <a:t> </a:t>
+            </a:r>
+            <a:r>
+              <a:rPr lang="en-US" altLang="zh-CN" sz="2000" dirty="0"/>
+              <a:t>align</a:t>
+            </a:r>
+            <a:r>
+              <a:rPr lang="zh-CN" altLang="en-US" sz="2000" dirty="0"/>
+              <a:t> </a:t>
+            </a:r>
+            <a:r>
+              <a:rPr lang="en-US" altLang="zh-CN" sz="2000" dirty="0"/>
+              <a:t>with</a:t>
+            </a:r>
+            <a:r>
+              <a:rPr lang="zh-CN" altLang="en-US" sz="2000" dirty="0"/>
+              <a:t> </a:t>
+            </a:r>
+            <a:r>
+              <a:rPr lang="en-US" altLang="zh-CN" sz="2000" dirty="0"/>
+              <a:t>new</a:t>
+            </a:r>
+            <a:r>
+              <a:rPr lang="zh-CN" altLang="en-US" sz="2000" dirty="0"/>
+              <a:t> </a:t>
+            </a:r>
+            <a:r>
+              <a:rPr lang="en-US" altLang="zh-CN" sz="2000" dirty="0"/>
+              <a:t>artifacts:</a:t>
+            </a:r>
+          </a:p>
+          <a:p>
+            <a:pPr lvl="2">
+              <a:buFontTx/>
+              <a:buChar char="-"/>
+            </a:pPr>
+            <a:r>
+              <a:rPr lang="en-US" sz="1600" dirty="0"/>
+              <a:t>R</a:t>
+            </a:r>
+            <a:r>
+              <a:rPr lang="en-US" altLang="zh-CN" sz="1600" dirty="0"/>
+              <a:t>eplication/Quota/Retention/Scan/Immutable</a:t>
+            </a:r>
+            <a:r>
+              <a:rPr lang="zh-CN" altLang="en-US" sz="1600" dirty="0"/>
+              <a:t> </a:t>
+            </a:r>
+            <a:r>
+              <a:rPr lang="en-US" altLang="zh-CN" sz="1600" dirty="0"/>
+              <a:t>Tag</a:t>
+            </a:r>
+          </a:p>
+          <a:p>
+            <a:pPr>
+              <a:buFontTx/>
+              <a:buChar char="-"/>
+            </a:pPr>
+            <a:r>
+              <a:rPr lang="en-US" altLang="zh-CN" sz="2400" dirty="0"/>
+              <a:t>TODO:</a:t>
+            </a:r>
+            <a:endParaRPr lang="en-US" sz="2400" dirty="0"/>
+          </a:p>
+          <a:p>
+            <a:pPr lvl="1">
+              <a:buFontTx/>
+              <a:buChar char="-"/>
+            </a:pPr>
+            <a:r>
+              <a:rPr lang="en-US" sz="2000" dirty="0"/>
+              <a:t>Garbage</a:t>
+            </a:r>
+            <a:r>
+              <a:rPr lang="zh-CN" altLang="en-US" sz="2000" dirty="0"/>
+              <a:t> </a:t>
+            </a:r>
+            <a:r>
+              <a:rPr lang="en-US" altLang="zh-CN" sz="2000" dirty="0"/>
+              <a:t>Collection</a:t>
+            </a:r>
+            <a:endParaRPr lang="en-US" sz="2000" dirty="0"/>
+          </a:p>
+          <a:p>
+            <a:pPr lvl="1">
+              <a:buFontTx/>
+              <a:buChar char="-"/>
+            </a:pPr>
+            <a:r>
+              <a:rPr lang="en-US" sz="2000" dirty="0"/>
+              <a:t>Upgrade</a:t>
+            </a:r>
+            <a:r>
+              <a:rPr lang="zh-CN" altLang="en-US" sz="2000" dirty="0"/>
+              <a:t> </a:t>
+            </a:r>
+            <a:r>
+              <a:rPr lang="en-US" altLang="zh-CN" sz="2000" dirty="0"/>
+              <a:t>&amp;</a:t>
+            </a:r>
+            <a:r>
+              <a:rPr lang="zh-CN" altLang="en-US" sz="2000" dirty="0"/>
+              <a:t> </a:t>
+            </a:r>
+            <a:r>
+              <a:rPr lang="en-US" altLang="zh-CN" sz="2000" dirty="0"/>
+              <a:t>Migration</a:t>
+            </a:r>
+          </a:p>
+        </p:txBody>
+      </p:sp>
+      <p:sp>
+        <p:nvSpPr>
+          <p:cNvPr id="4" name="Slide Number Placeholder 3">
+            <a:extLst>
+              <a:ext uri="{FF2B5EF4-FFF2-40B4-BE49-F238E27FC236}">
+                <a16:creationId xmlns:a16="http://schemas.microsoft.com/office/drawing/2014/main" id="{4B49191B-F6C8-214A-BF0B-99D44184A203}"/>
+              </a:ext>
+            </a:extLst>
+          </p:cNvPr>
+          <p:cNvSpPr>
+            <a:spLocks noGrp="1"/>
+          </p:cNvSpPr>
+          <p:nvPr>
+            <p:ph type="sldNum" idx="12"/>
+          </p:nvPr>
+        </p:nvSpPr>
+        <p:spPr/>
+        <p:txBody>
+          <a:bodyPr/>
+          <a:lstStyle/>
+          <a:p>
+            <a:pPr marL="0" lvl="0" indent="0">
+              <a:spcBef>
+                <a:spcPts val="0"/>
+              </a:spcBef>
+              <a:spcAft>
+                <a:spcPts val="0"/>
+              </a:spcAft>
+              <a:buNone/>
+            </a:pPr>
+            <a:fld id="{00000000-1234-1234-1234-123412341234}" type="slidenum">
+              <a:rPr lang="en-US" smtClean="0"/>
+              <a:t>3</a:t>
+            </a:fld>
+            <a:endParaRPr lang="en-US"/>
+          </a:p>
+        </p:txBody>
+      </p:sp>
+    </p:spTree>
+    <p:extLst>
+      <p:ext uri="{BB962C8B-B14F-4D97-AF65-F5344CB8AC3E}">
+        <p14:creationId xmlns:p14="http://schemas.microsoft.com/office/powerpoint/2010/main" val="598494919"/>
+      </p:ext>
+    </p:extLst>
+  </p:cSld>
+  <p:clrMapOvr>
+    <a:masterClrMapping/>
+  </p:clrMapOvr>
+</p:sld>
+</file>
+
+<file path=ppt/slides/slide4.xml><?xml version="1.0" encoding="utf-8"?>
+<p:sld xmlns:a="http://schemas.openxmlformats.org/drawingml/2006/main" xmlns:r="http://schemas.openxmlformats.org/officeDocument/2006/relationships" xmlns:p="http://schemas.openxmlformats.org/presentationml/2006/main">
+  <p:cSld>
+    <p:spTree>
+      <p:nvGrpSpPr>
+        <p:cNvPr id="1" name=""/>
+        <p:cNvGrpSpPr/>
+        <p:nvPr/>
+      </p:nvGrpSpPr>
+      <p:grpSpPr>
+        <a:xfrm>
+          <a:off x="0" y="0"/>
+          <a:ext cx="0" cy="0"/>
+          <a:chOff x="0" y="0"/>
+          <a:chExt cx="0" cy="0"/>
+        </a:xfrm>
+      </p:grpSpPr>
+      <p:sp>
+        <p:nvSpPr>
+          <p:cNvPr id="2" name="Title 1">
+            <a:extLst>
+              <a:ext uri="{FF2B5EF4-FFF2-40B4-BE49-F238E27FC236}">
                 <a16:creationId xmlns:a16="http://schemas.microsoft.com/office/drawing/2014/main" id="{F8ED8999-D3C7-AD48-AA22-34421B88DC2D}"/>
               </a:ext>
             </a:extLst>
@@ -10658,7 +11196,7 @@
             </a:pPr>
             <a:fld id="{00000000-1234-1234-1234-123412341234}" type="slidenum">
               <a:rPr lang="en-US" smtClean="0"/>
-              <a:t>3</a:t>
+              <a:t>4</a:t>
             </a:fld>
             <a:endParaRPr lang="en-US"/>
           </a:p>
@@ -10902,7 +11440,7 @@
 </p:sld>
 </file>
 
-<file path=ppt/slides/slide4.xml><?xml version="1.0" encoding="utf-8"?>
+<file path=ppt/slides/slide5.xml><?xml version="1.0" encoding="utf-8"?>
 <p:sld xmlns:a="http://schemas.openxmlformats.org/drawingml/2006/main" xmlns:r="http://schemas.openxmlformats.org/officeDocument/2006/relationships" xmlns:p="http://schemas.openxmlformats.org/presentationml/2006/main">
   <p:cSld>
     <p:spTree>
@@ -11336,7 +11874,7 @@
                 <a:tabLst/>
                 <a:defRPr/>
               </a:pPr>
-              <a:t>4</a:t>
+              <a:t>5</a:t>
             </a:fld>
             <a:endParaRPr kumimoji="0" lang="en-US" sz="1500" b="0" i="0" u="none" strike="noStrike" kern="0" cap="none" spc="0" normalizeH="0" baseline="0" noProof="0">
               <a:ln>
